--- a/slides/09-for-do-loops.pptx
+++ b/slides/09-for-do-loops.pptx
@@ -205,7 +205,7 @@
           <a:p>
             <a:fld id="{842751AF-0525-4A1F-A63B-712D11BB5E76}" type="datetimeFigureOut">
               <a:rPr lang="en-US" smtClean="0"/>
-              <a:t>7/24/2023</a:t>
+              <a:t>10/5/2023</a:t>
             </a:fld>
             <a:endParaRPr lang="en-US"/>
           </a:p>
@@ -688,7 +688,7 @@
           <a:p>
             <a:fld id="{E116BD75-3A7E-4518-8AFE-C9E627752F36}" type="datetimeFigureOut">
               <a:rPr lang="en-US" smtClean="0"/>
-              <a:t>7/24/2023</a:t>
+              <a:t>10/5/2023</a:t>
             </a:fld>
             <a:endParaRPr lang="en-US"/>
           </a:p>
@@ -858,7 +858,7 @@
           <a:p>
             <a:fld id="{E116BD75-3A7E-4518-8AFE-C9E627752F36}" type="datetimeFigureOut">
               <a:rPr lang="en-US" smtClean="0"/>
-              <a:t>7/24/2023</a:t>
+              <a:t>10/5/2023</a:t>
             </a:fld>
             <a:endParaRPr lang="en-US"/>
           </a:p>
@@ -1038,7 +1038,7 @@
           <a:p>
             <a:fld id="{E116BD75-3A7E-4518-8AFE-C9E627752F36}" type="datetimeFigureOut">
               <a:rPr lang="en-US" smtClean="0"/>
-              <a:t>7/24/2023</a:t>
+              <a:t>10/5/2023</a:t>
             </a:fld>
             <a:endParaRPr lang="en-US"/>
           </a:p>
@@ -1208,7 +1208,7 @@
           <a:p>
             <a:fld id="{E116BD75-3A7E-4518-8AFE-C9E627752F36}" type="datetimeFigureOut">
               <a:rPr lang="en-US" smtClean="0"/>
-              <a:t>7/24/2023</a:t>
+              <a:t>10/5/2023</a:t>
             </a:fld>
             <a:endParaRPr lang="en-US"/>
           </a:p>
@@ -1454,7 +1454,7 @@
           <a:p>
             <a:fld id="{E116BD75-3A7E-4518-8AFE-C9E627752F36}" type="datetimeFigureOut">
               <a:rPr lang="en-US" smtClean="0"/>
-              <a:t>7/24/2023</a:t>
+              <a:t>10/5/2023</a:t>
             </a:fld>
             <a:endParaRPr lang="en-US"/>
           </a:p>
@@ -1686,7 +1686,7 @@
           <a:p>
             <a:fld id="{E116BD75-3A7E-4518-8AFE-C9E627752F36}" type="datetimeFigureOut">
               <a:rPr lang="en-US" smtClean="0"/>
-              <a:t>7/24/2023</a:t>
+              <a:t>10/5/2023</a:t>
             </a:fld>
             <a:endParaRPr lang="en-US"/>
           </a:p>
@@ -2053,7 +2053,7 @@
           <a:p>
             <a:fld id="{E116BD75-3A7E-4518-8AFE-C9E627752F36}" type="datetimeFigureOut">
               <a:rPr lang="en-US" smtClean="0"/>
-              <a:t>7/24/2023</a:t>
+              <a:t>10/5/2023</a:t>
             </a:fld>
             <a:endParaRPr lang="en-US"/>
           </a:p>
@@ -2171,7 +2171,7 @@
           <a:p>
             <a:fld id="{E116BD75-3A7E-4518-8AFE-C9E627752F36}" type="datetimeFigureOut">
               <a:rPr lang="en-US" smtClean="0"/>
-              <a:t>7/24/2023</a:t>
+              <a:t>10/5/2023</a:t>
             </a:fld>
             <a:endParaRPr lang="en-US"/>
           </a:p>
@@ -2266,7 +2266,7 @@
           <a:p>
             <a:fld id="{E116BD75-3A7E-4518-8AFE-C9E627752F36}" type="datetimeFigureOut">
               <a:rPr lang="en-US" smtClean="0"/>
-              <a:t>7/24/2023</a:t>
+              <a:t>10/5/2023</a:t>
             </a:fld>
             <a:endParaRPr lang="en-US"/>
           </a:p>
@@ -2543,7 +2543,7 @@
           <a:p>
             <a:fld id="{E116BD75-3A7E-4518-8AFE-C9E627752F36}" type="datetimeFigureOut">
               <a:rPr lang="en-US" smtClean="0"/>
-              <a:t>7/24/2023</a:t>
+              <a:t>10/5/2023</a:t>
             </a:fld>
             <a:endParaRPr lang="en-US"/>
           </a:p>
@@ -2796,7 +2796,7 @@
           <a:p>
             <a:fld id="{E116BD75-3A7E-4518-8AFE-C9E627752F36}" type="datetimeFigureOut">
               <a:rPr lang="en-US" smtClean="0"/>
-              <a:t>7/24/2023</a:t>
+              <a:t>10/5/2023</a:t>
             </a:fld>
             <a:endParaRPr lang="en-US"/>
           </a:p>
@@ -3009,7 +3009,7 @@
           <a:p>
             <a:fld id="{E116BD75-3A7E-4518-8AFE-C9E627752F36}" type="datetimeFigureOut">
               <a:rPr lang="en-US" smtClean="0"/>
-              <a:t>7/24/2023</a:t>
+              <a:t>10/5/2023</a:t>
             </a:fld>
             <a:endParaRPr lang="en-US"/>
           </a:p>
@@ -3462,7 +3462,36 @@
           <a:bodyPr/>
           <a:lstStyle/>
           <a:p>
-            <a:endParaRPr lang="en-US"/>
+            <a:r>
+              <a:rPr lang="en-US" b="1" i="1" dirty="0" err="1" smtClean="0"/>
+              <a:t>minitopic</a:t>
+            </a:r>
+            <a:r>
+              <a:rPr lang="en-US" dirty="0" smtClean="0"/>
+              <a:t>: a bit about two variable type qualifiers:</a:t>
+            </a:r>
+          </a:p>
+          <a:p>
+            <a:r>
+              <a:rPr lang="en-US" dirty="0" smtClean="0">
+                <a:latin typeface="Courier New" panose="02070309020205020404" pitchFamily="49" charset="0"/>
+                <a:cs typeface="Courier New" panose="02070309020205020404" pitchFamily="49" charset="0"/>
+              </a:rPr>
+              <a:t>static</a:t>
+            </a:r>
+          </a:p>
+          <a:p>
+            <a:r>
+              <a:rPr lang="en-US" dirty="0" smtClean="0">
+                <a:latin typeface="Courier New" panose="02070309020205020404" pitchFamily="49" charset="0"/>
+                <a:cs typeface="Courier New" panose="02070309020205020404" pitchFamily="49" charset="0"/>
+              </a:rPr>
+              <a:t>extern</a:t>
+            </a:r>
+            <a:endParaRPr lang="en-US" dirty="0">
+              <a:latin typeface="Courier New" panose="02070309020205020404" pitchFamily="49" charset="0"/>
+              <a:cs typeface="Courier New" panose="02070309020205020404" pitchFamily="49" charset="0"/>
+            </a:endParaRPr>
           </a:p>
         </p:txBody>
       </p:sp>
@@ -4444,13 +4473,13 @@
         </p:nvSpPr>
         <p:spPr>
           <a:xfrm>
-            <a:off x="838200" y="1825625"/>
-            <a:ext cx="5717345" cy="4351338"/>
+            <a:off x="838200" y="1825624"/>
+            <a:ext cx="8390206" cy="5032375"/>
           </a:xfrm>
         </p:spPr>
         <p:txBody>
           <a:bodyPr>
-            <a:normAutofit/>
+            <a:normAutofit lnSpcReduction="10000"/>
           </a:bodyPr>
           <a:lstStyle/>
           <a:p>
@@ -4553,8 +4582,17 @@
               <a:rPr lang="en-US" sz="2400" i="1" dirty="0" smtClean="0">
                 <a:latin typeface="Garamond" panose="02020404030301010803" pitchFamily="18" charset="0"/>
               </a:rPr>
-              <a:t>                  statement</a:t>
-            </a:r>
+              <a:t>                  </a:t>
+            </a:r>
+            <a:r>
+              <a:rPr lang="en-US" sz="2400" i="1" dirty="0" smtClean="0">
+                <a:latin typeface="Garamond" panose="02020404030301010803" pitchFamily="18" charset="0"/>
+              </a:rPr>
+              <a:t>statement</a:t>
+            </a:r>
+            <a:endParaRPr lang="en-US" i="1" dirty="0" smtClean="0">
+              <a:latin typeface="Garamond" panose="02020404030301010803" pitchFamily="18" charset="0"/>
+            </a:endParaRPr>
           </a:p>
           <a:p>
             <a:pPr marL="0" indent="0">
@@ -4568,19 +4606,28 @@
             <a:pPr marL="0" indent="0">
               <a:buNone/>
             </a:pPr>
-            <a:endParaRPr lang="en-US" i="1" dirty="0" smtClean="0">
-              <a:latin typeface="Garamond" panose="02020404030301010803" pitchFamily="18" charset="0"/>
-            </a:endParaRPr>
+            <a:r>
+              <a:rPr lang="en-US" sz="2400" i="1" dirty="0" smtClean="0">
+                <a:latin typeface="Garamond" panose="02020404030301010803" pitchFamily="18" charset="0"/>
+              </a:rPr>
+              <a:t>Equivalent to</a:t>
+            </a:r>
+            <a:r>
+              <a:rPr lang="en-US" sz="2400" i="1" dirty="0" smtClean="0">
+                <a:latin typeface="Garamond" panose="02020404030301010803" pitchFamily="18" charset="0"/>
+              </a:rPr>
+              <a:t>:</a:t>
+            </a:r>
           </a:p>
           <a:p>
             <a:pPr marL="0" indent="0">
               <a:buNone/>
             </a:pPr>
             <a:r>
-              <a:rPr lang="en-US" i="1" dirty="0" smtClean="0">
+              <a:rPr lang="en-US" i="1" dirty="0">
                 <a:latin typeface="Garamond" panose="02020404030301010803" pitchFamily="18" charset="0"/>
               </a:rPr>
-              <a:t>Equivalent to:</a:t>
+              <a:t>{</a:t>
             </a:r>
             <a:r>
               <a:rPr lang="en-US" i="1" dirty="0">
@@ -4594,7 +4641,13 @@
               </a:rPr>
             </a:br>
             <a:r>
-              <a:rPr lang="en-US" sz="2400" i="1" dirty="0" err="1">
+              <a:rPr lang="en-US" i="1" dirty="0" smtClean="0">
+                <a:latin typeface="Garamond" panose="02020404030301010803" pitchFamily="18" charset="0"/>
+              </a:rPr>
+              <a:t>        </a:t>
+            </a:r>
+            <a:r>
+              <a:rPr lang="en-US" sz="2400" i="1" dirty="0" err="1" smtClean="0">
                 <a:solidFill>
                   <a:schemeClr val="accent5"/>
                 </a:solidFill>
@@ -4627,7 +4680,14 @@
                 <a:latin typeface="Courier New" panose="02070309020205020404" pitchFamily="49" charset="0"/>
                 <a:cs typeface="Courier New" panose="02070309020205020404" pitchFamily="49" charset="0"/>
               </a:rPr>
-              <a:t>while( </a:t>
+              <a:t>    while</a:t>
+            </a:r>
+            <a:r>
+              <a:rPr lang="en-US" sz="2400" dirty="0" smtClean="0">
+                <a:latin typeface="Courier New" panose="02070309020205020404" pitchFamily="49" charset="0"/>
+                <a:cs typeface="Courier New" panose="02070309020205020404" pitchFamily="49" charset="0"/>
+              </a:rPr>
+              <a:t>( </a:t>
             </a:r>
             <a:r>
               <a:rPr lang="en-US" sz="2400" i="1" dirty="0">
@@ -4663,7 +4723,14 @@
                 <a:latin typeface="Courier New" panose="02070309020205020404" pitchFamily="49" charset="0"/>
                 <a:cs typeface="Courier New" panose="02070309020205020404" pitchFamily="49" charset="0"/>
               </a:rPr>
-              <a:t>   </a:t>
+              <a:t>  </a:t>
+            </a:r>
+            <a:r>
+              <a:rPr lang="en-US" sz="2400" dirty="0" smtClean="0">
+                <a:latin typeface="Courier New" panose="02070309020205020404" pitchFamily="49" charset="0"/>
+                <a:cs typeface="Courier New" panose="02070309020205020404" pitchFamily="49" charset="0"/>
+              </a:rPr>
+              <a:t>     </a:t>
             </a:r>
             <a:r>
               <a:rPr lang="en-US" sz="2400" i="1" dirty="0">
@@ -4692,21 +4759,78 @@
               </a:rPr>
               <a:t>   </a:t>
             </a:r>
+            <a:r>
+              <a:rPr lang="en-US" sz="2400" dirty="0" smtClean="0">
+                <a:latin typeface="Courier New" panose="02070309020205020404" pitchFamily="49" charset="0"/>
+                <a:cs typeface="Courier New" panose="02070309020205020404" pitchFamily="49" charset="0"/>
+              </a:rPr>
+              <a:t>  </a:t>
+            </a:r>
+          </a:p>
+          <a:p>
+            <a:pPr marL="0" indent="0">
+              <a:buNone/>
+            </a:pPr>
             <a:r>
               <a:rPr lang="en-US" sz="2400" i="1" dirty="0">
                 <a:solidFill>
                   <a:schemeClr val="accent6"/>
                 </a:solidFill>
+                <a:latin typeface="Courier New" panose="02070309020205020404" pitchFamily="49" charset="0"/>
+                <a:cs typeface="Courier New" panose="02070309020205020404" pitchFamily="49" charset="0"/>
+              </a:rPr>
+              <a:t> </a:t>
+            </a:r>
+            <a:r>
+              <a:rPr lang="en-US" sz="2400" i="1" dirty="0" smtClean="0">
+                <a:solidFill>
+                  <a:schemeClr val="accent6"/>
+                </a:solidFill>
+                <a:latin typeface="Courier New" panose="02070309020205020404" pitchFamily="49" charset="0"/>
+                <a:cs typeface="Courier New" panose="02070309020205020404" pitchFamily="49" charset="0"/>
+              </a:rPr>
+              <a:t>      </a:t>
+            </a:r>
+            <a:r>
+              <a:rPr lang="en-US" sz="2400" i="1" dirty="0" smtClean="0">
+                <a:solidFill>
+                  <a:schemeClr val="accent6"/>
+                </a:solidFill>
                 <a:latin typeface="Garamond" panose="02020404030301010803" pitchFamily="18" charset="0"/>
               </a:rPr>
               <a:t>final</a:t>
             </a:r>
+            <a:r>
+              <a:rPr lang="en-US" sz="2400" i="1" dirty="0" smtClean="0">
+                <a:latin typeface="Garamond" panose="02020404030301010803" pitchFamily="18" charset="0"/>
+                <a:cs typeface="Courier New" panose="02070309020205020404" pitchFamily="49" charset="0"/>
+              </a:rPr>
+              <a:t>;</a:t>
+            </a:r>
+          </a:p>
+          <a:p>
+            <a:pPr marL="0" indent="0">
+              <a:buNone/>
+            </a:pPr>
             <a:r>
               <a:rPr lang="en-US" sz="2400" i="1" dirty="0">
                 <a:latin typeface="Garamond" panose="02020404030301010803" pitchFamily="18" charset="0"/>
                 <a:cs typeface="Courier New" panose="02070309020205020404" pitchFamily="49" charset="0"/>
               </a:rPr>
-              <a:t>;</a:t>
+              <a:t> </a:t>
+            </a:r>
+            <a:r>
+              <a:rPr lang="en-US" sz="2400" i="1" dirty="0" smtClean="0">
+                <a:latin typeface="Garamond" panose="02020404030301010803" pitchFamily="18" charset="0"/>
+                <a:cs typeface="Courier New" panose="02070309020205020404" pitchFamily="49" charset="0"/>
+              </a:rPr>
+              <a:t>       </a:t>
+            </a:r>
+            <a:r>
+              <a:rPr lang="en-US" sz="2400" dirty="0" smtClean="0">
+                <a:cs typeface="Courier New" panose="02070309020205020404" pitchFamily="49" charset="0"/>
+              </a:rPr>
+              <a:t>}</a:t>
             </a:r>
             <a:r>
               <a:rPr lang="en-US" sz="2400" dirty="0" smtClean="0">
@@ -4722,24 +4846,50 @@
               </a:rPr>
             </a:br>
             <a:r>
-              <a:rPr lang="en-US" sz="2400" dirty="0" smtClean="0">
-                <a:latin typeface="Courier New" panose="02070309020205020404" pitchFamily="49" charset="0"/>
+              <a:rPr lang="en-US" dirty="0" smtClean="0">
+                <a:latin typeface="Garamond" panose="02020404030301010803" pitchFamily="18" charset="0"/>
                 <a:cs typeface="Courier New" panose="02070309020205020404" pitchFamily="49" charset="0"/>
               </a:rPr>
               <a:t>}</a:t>
             </a:r>
-            <a:br>
-              <a:rPr lang="en-US" sz="2400" dirty="0" smtClean="0">
-                <a:latin typeface="Courier New" panose="02070309020205020404" pitchFamily="49" charset="0"/>
-                <a:cs typeface="Courier New" panose="02070309020205020404" pitchFamily="49" charset="0"/>
-              </a:rPr>
-            </a:br>
-            <a:r>
-              <a:rPr lang="en-US" sz="2400" dirty="0" smtClean="0">
-                <a:latin typeface="Courier New" panose="02070309020205020404" pitchFamily="49" charset="0"/>
-                <a:cs typeface="Courier New" panose="02070309020205020404" pitchFamily="49" charset="0"/>
-              </a:rPr>
-              <a:t>  </a:t>
+          </a:p>
+          <a:p>
+            <a:pPr marL="0" indent="0">
+              <a:buNone/>
+            </a:pPr>
+            <a:r>
+              <a:rPr lang="en-US" sz="2400" i="1" dirty="0">
+                <a:latin typeface="Garamond" panose="02020404030301010803" pitchFamily="18" charset="0"/>
+              </a:rPr>
+              <a:t>Except that </a:t>
+            </a:r>
+            <a:r>
+              <a:rPr lang="en-US" sz="2400" dirty="0">
+                <a:latin typeface="Courier New" panose="02070309020205020404" pitchFamily="49" charset="0"/>
+                <a:cs typeface="Courier New" panose="02070309020205020404" pitchFamily="49" charset="0"/>
+              </a:rPr>
+              <a:t>continue</a:t>
+            </a:r>
+            <a:r>
+              <a:rPr lang="en-US" sz="2400" i="1" dirty="0">
+                <a:latin typeface="Garamond" panose="02020404030301010803" pitchFamily="18" charset="0"/>
+              </a:rPr>
+              <a:t> does </a:t>
+            </a:r>
+            <a:r>
+              <a:rPr lang="en-US" sz="2400" i="1" dirty="0">
+                <a:solidFill>
+                  <a:srgbClr val="00B050"/>
+                </a:solidFill>
+                <a:latin typeface="Garamond" panose="02020404030301010803" pitchFamily="18" charset="0"/>
+              </a:rPr>
+              <a:t>final</a:t>
+            </a:r>
+            <a:r>
+              <a:rPr lang="en-US" sz="2400" i="1" dirty="0">
+                <a:latin typeface="Garamond" panose="02020404030301010803" pitchFamily="18" charset="0"/>
+              </a:rPr>
+              <a:t> before next iteration.</a:t>
             </a:r>
           </a:p>
         </p:txBody>
@@ -6591,7 +6741,7 @@
         <p:spPr/>
         <p:txBody>
           <a:bodyPr>
-            <a:normAutofit lnSpcReduction="10000"/>
+            <a:normAutofit fontScale="92500" lnSpcReduction="10000"/>
           </a:bodyPr>
           <a:lstStyle/>
           <a:p>
@@ -6630,6 +6780,22 @@
             <a:pPr marL="0" indent="0">
               <a:buNone/>
             </a:pPr>
+            <a:endParaRPr lang="en-US" sz="2400" dirty="0" smtClean="0">
+              <a:latin typeface="Courier New" panose="02070309020205020404" pitchFamily="49" charset="0"/>
+              <a:cs typeface="Courier New" panose="02070309020205020404" pitchFamily="49" charset="0"/>
+            </a:endParaRPr>
+          </a:p>
+          <a:p>
+            <a:pPr marL="0" indent="0">
+              <a:buNone/>
+            </a:pPr>
+            <a:r>
+              <a:rPr lang="en-US" sz="2400" dirty="0" smtClean="0">
+                <a:latin typeface="Courier New" panose="02070309020205020404" pitchFamily="49" charset="0"/>
+                <a:cs typeface="Courier New" panose="02070309020205020404" pitchFamily="49" charset="0"/>
+              </a:rPr>
+              <a:t>If (a[0] &gt;= 0) a[0]++;</a:t>
+            </a:r>
             <a:r>
               <a:rPr lang="en-US" sz="2400" dirty="0">
                 <a:latin typeface="Courier New" panose="02070309020205020404" pitchFamily="49" charset="0"/>
@@ -6648,7 +6814,7 @@
                 <a:latin typeface="Courier New" panose="02070309020205020404" pitchFamily="49" charset="0"/>
                 <a:cs typeface="Courier New" panose="02070309020205020404" pitchFamily="49" charset="0"/>
               </a:rPr>
-              <a:t>for( ; </a:t>
+              <a:t>for( </a:t>
             </a:r>
             <a:r>
               <a:rPr lang="en-US" sz="2400" dirty="0" err="1" smtClean="0">
@@ -6662,6 +6828,20 @@
                 <a:latin typeface="Courier New" panose="02070309020205020404" pitchFamily="49" charset="0"/>
                 <a:cs typeface="Courier New" panose="02070309020205020404" pitchFamily="49" charset="0"/>
               </a:rPr>
+              <a:t>=1; </a:t>
+            </a:r>
+            <a:r>
+              <a:rPr lang="en-US" sz="2400" dirty="0" err="1" smtClean="0">
+                <a:latin typeface="Courier New" panose="02070309020205020404" pitchFamily="49" charset="0"/>
+                <a:cs typeface="Courier New" panose="02070309020205020404" pitchFamily="49" charset="0"/>
+              </a:rPr>
+              <a:t>i</a:t>
+            </a:r>
+            <a:r>
+              <a:rPr lang="en-US" sz="2400" dirty="0" smtClean="0">
+                <a:latin typeface="Courier New" panose="02070309020205020404" pitchFamily="49" charset="0"/>
+                <a:cs typeface="Courier New" panose="02070309020205020404" pitchFamily="49" charset="0"/>
+              </a:rPr>
               <a:t>&lt;n ; </a:t>
             </a:r>
             <a:r>
@@ -6689,7 +6869,7 @@
                 <a:latin typeface="Courier New" panose="02070309020205020404" pitchFamily="49" charset="0"/>
                 <a:cs typeface="Courier New" panose="02070309020205020404" pitchFamily="49" charset="0"/>
               </a:rPr>
-              <a:t>    if ( </a:t>
+              <a:t>    if ( a[</a:t>
             </a:r>
             <a:r>
               <a:rPr lang="en-US" sz="2400" dirty="0" err="1" smtClean="0">
@@ -6703,7 +6883,7 @@
                 <a:latin typeface="Courier New" panose="02070309020205020404" pitchFamily="49" charset="0"/>
                 <a:cs typeface="Courier New" panose="02070309020205020404" pitchFamily="49" charset="0"/>
               </a:rPr>
-              <a:t> &lt; 0 )  </a:t>
+              <a:t>] &lt; 0 )  </a:t>
             </a:r>
             <a:r>
               <a:rPr lang="en-US" sz="2000" i="1" dirty="0" smtClean="0">
@@ -7238,7 +7418,7 @@
                                         <p:tgtEl>
                                           <p:spTgt spid="3">
                                             <p:txEl>
-                                              <p:pRg st="1" end="1"/>
+                                              <p:pRg st="2" end="2"/>
                                             </p:txEl>
                                           </p:spTgt>
                                         </p:tgtEl>
@@ -7256,7 +7436,7 @@
                                         <p:tgtEl>
                                           <p:spTgt spid="3">
                                             <p:txEl>
-                                              <p:pRg st="1" end="1"/>
+                                              <p:pRg st="2" end="2"/>
                                             </p:txEl>
                                           </p:spTgt>
                                         </p:tgtEl>
